--- a/JsonConverter/target/classes/OutputFolder/BingChilling.pptx
+++ b/JsonConverter/target/classes/OutputFolder/BingChilling.pptx
@@ -6,7 +6,6 @@
   </p:sldMasterIdLst>
   <p:sldIdLst>
     <p:sldId id="256" r:id="rId6"/>
-    <p:sldId id="257" r:id="rId7"/>
   </p:sldIdLst>
   <p:sldSz cx="9144000" cy="6858000" type="screen4x3"/>
   <p:notesSz cx="6858000" cy="9144000"/>
@@ -3044,31 +3043,6 @@
 </file>
 
 <file path=ppt/slides/slide1.xml><?xml version="1.0" encoding="utf-8"?>
-<p:sld xmlns:p="http://schemas.openxmlformats.org/presentationml/2006/main" xmlns:a="http://schemas.openxmlformats.org/drawingml/2006/main">
-  <p:cSld>
-    <p:spTree>
-      <p:nvGrpSpPr>
-        <p:cNvPr id="1" name=""/>
-        <p:cNvGrpSpPr/>
-        <p:nvPr/>
-      </p:nvGrpSpPr>
-      <p:grpSpPr>
-        <a:xfrm>
-          <a:off x="0" y="0"/>
-          <a:ext cx="0" cy="0"/>
-          <a:chOff x="0" y="0"/>
-          <a:chExt cx="0" cy="0"/>
-        </a:xfrm>
-      </p:grpSpPr>
-    </p:spTree>
-  </p:cSld>
-  <p:clrMapOvr>
-    <a:masterClrMapping/>
-  </p:clrMapOvr>
-</p:sld>
-</file>
-
-<file path=ppt/slides/slide2.xml><?xml version="1.0" encoding="utf-8"?>
 <p:sld xmlns:p="http://schemas.openxmlformats.org/presentationml/2006/main" xmlns:a="http://schemas.openxmlformats.org/drawingml/2006/main">
   <p:cSld>
     <p:spTree>
